--- a/스크립트언어/강의 자료/chapter6.pptx
+++ b/스크립트언어/강의 자료/chapter6.pptx
@@ -22571,6 +22571,58 @@
               <a:buNone/>
             </a:pPr>
             <a:endParaRPr kumimoji="0" lang="ko-KR" altLang="en-US" sz="2400"/>
+          </a:p>
+        </p:txBody>
+      </p:sp>
+      <p:sp>
+        <p:nvSpPr>
+          <p:cNvPr id="2" name="TextBox 1">
+            <a:extLst>
+              <a:ext uri="{FF2B5EF4-FFF2-40B4-BE49-F238E27FC236}">
+                <a16:creationId xmlns:a16="http://schemas.microsoft.com/office/drawing/2014/main" id="{0E10496F-F96A-4046-9155-47C36A8B24F9}"/>
+              </a:ext>
+            </a:extLst>
+          </p:cNvPr>
+          <p:cNvSpPr txBox="1"/>
+          <p:nvPr/>
+        </p:nvSpPr>
+        <p:spPr>
+          <a:xfrm>
+            <a:off x="6871855" y="1202164"/>
+            <a:ext cx="2268970" cy="830997"/>
+          </a:xfrm>
+          <a:prstGeom prst="rect">
+            <a:avLst/>
+          </a:prstGeom>
+          <a:noFill/>
+        </p:spPr>
+        <p:txBody>
+          <a:bodyPr wrap="square" rtlCol="0">
+            <a:spAutoFit/>
+          </a:bodyPr>
+          <a:lstStyle/>
+          <a:p>
+            <a:r>
+              <a:rPr lang="en-US" altLang="ko-KR" dirty="0"/>
+              <a:t>Using name </a:t>
+            </a:r>
+            <a:r>
+              <a:rPr lang="en-US" altLang="ko-KR"/>
+              <a:t>space</a:t>
+            </a:r>
+            <a:r>
+              <a:rPr lang="ko-KR" altLang="en-US" dirty="0"/>
+              <a:t>랑</a:t>
+            </a:r>
+            <a:r>
+              <a:rPr lang="en-US" altLang="ko-KR" dirty="0"/>
+              <a:t> </a:t>
+            </a:r>
+            <a:r>
+              <a:rPr lang="ko-KR" altLang="en-US" dirty="0" err="1"/>
+              <a:t>비슷</a:t>
+            </a:r>
+            <a:endParaRPr lang="ko-KR" altLang="en-US" dirty="0"/>
           </a:p>
         </p:txBody>
       </p:sp>

--- a/스크립트언어/강의 자료/chapter6.pptx
+++ b/스크립트언어/강의 자료/chapter6.pptx
@@ -15823,7 +15823,7 @@
         </p:nvSpPr>
         <p:spPr bwMode="auto">
           <a:xfrm>
-            <a:off x="380232" y="2438687"/>
+            <a:off x="249237" y="2334260"/>
             <a:ext cx="4423588" cy="1877437"/>
           </a:xfrm>
           <a:prstGeom prst="rect">
@@ -16165,6 +16165,93 @@
           </a:ln>
         </p:spPr>
       </p:pic>
+      <p:cxnSp>
+        <p:nvCxnSpPr>
+          <p:cNvPr id="4" name="직선 화살표 연결선 3">
+            <a:extLst>
+              <a:ext uri="{FF2B5EF4-FFF2-40B4-BE49-F238E27FC236}">
+                <a16:creationId xmlns:a16="http://schemas.microsoft.com/office/drawing/2014/main" id="{A3354520-9F71-4F92-A82E-68062513B26A}"/>
+              </a:ext>
+            </a:extLst>
+          </p:cNvPr>
+          <p:cNvCxnSpPr/>
+          <p:nvPr/>
+        </p:nvCxnSpPr>
+        <p:spPr>
+          <a:xfrm flipV="1">
+            <a:off x="6594764" y="2618509"/>
+            <a:ext cx="401781" cy="1357746"/>
+          </a:xfrm>
+          <a:prstGeom prst="straightConnector1">
+            <a:avLst/>
+          </a:prstGeom>
+          <a:ln>
+            <a:tailEnd type="triangle"/>
+          </a:ln>
+        </p:spPr>
+        <p:style>
+          <a:lnRef idx="1">
+            <a:schemeClr val="accent1"/>
+          </a:lnRef>
+          <a:fillRef idx="0">
+            <a:schemeClr val="accent1"/>
+          </a:fillRef>
+          <a:effectRef idx="0">
+            <a:schemeClr val="accent1"/>
+          </a:effectRef>
+          <a:fontRef idx="minor">
+            <a:schemeClr val="tx1"/>
+          </a:fontRef>
+        </p:style>
+      </p:cxnSp>
+      <p:sp>
+        <p:nvSpPr>
+          <p:cNvPr id="5" name="TextBox 4">
+            <a:extLst>
+              <a:ext uri="{FF2B5EF4-FFF2-40B4-BE49-F238E27FC236}">
+                <a16:creationId xmlns:a16="http://schemas.microsoft.com/office/drawing/2014/main" id="{49E15D8C-A8EB-49FF-A8F6-F34BB1AAD826}"/>
+              </a:ext>
+            </a:extLst>
+          </p:cNvPr>
+          <p:cNvSpPr txBox="1"/>
+          <p:nvPr/>
+        </p:nvSpPr>
+        <p:spPr>
+          <a:xfrm>
+            <a:off x="6608619" y="1692290"/>
+            <a:ext cx="2992582" cy="830997"/>
+          </a:xfrm>
+          <a:prstGeom prst="rect">
+            <a:avLst/>
+          </a:prstGeom>
+          <a:noFill/>
+        </p:spPr>
+        <p:txBody>
+          <a:bodyPr wrap="square" rtlCol="0">
+            <a:spAutoFit/>
+          </a:bodyPr>
+          <a:lstStyle/>
+          <a:p>
+            <a:r>
+              <a:rPr lang="ko-KR" altLang="en-US" dirty="0"/>
+              <a:t>시프트 </a:t>
+            </a:r>
+            <a:r>
+              <a:rPr lang="ko-KR" altLang="en-US" dirty="0" err="1"/>
+              <a:t>우클릭</a:t>
+            </a:r>
+            <a:r>
+              <a:rPr lang="en-US" altLang="ko-KR" dirty="0"/>
+              <a:t>-&gt; </a:t>
+            </a:r>
+            <a:r>
+              <a:rPr lang="ko-KR" altLang="en-US" dirty="0" err="1"/>
+              <a:t>파워셀</a:t>
+            </a:r>
+            <a:endParaRPr lang="ko-KR" altLang="en-US" dirty="0"/>
+          </a:p>
+        </p:txBody>
+      </p:sp>
     </p:spTree>
     <p:extLst>
       <p:ext uri="{BB962C8B-B14F-4D97-AF65-F5344CB8AC3E}">
@@ -16867,6 +16954,49 @@
           </a:extLst>
         </p:spPr>
       </p:pic>
+      <p:sp>
+        <p:nvSpPr>
+          <p:cNvPr id="2" name="TextBox 1">
+            <a:extLst>
+              <a:ext uri="{FF2B5EF4-FFF2-40B4-BE49-F238E27FC236}">
+                <a16:creationId xmlns:a16="http://schemas.microsoft.com/office/drawing/2014/main" id="{3253AF4E-F106-4C7B-A194-34B9421C44F4}"/>
+              </a:ext>
+            </a:extLst>
+          </p:cNvPr>
+          <p:cNvSpPr txBox="1"/>
+          <p:nvPr/>
+        </p:nvSpPr>
+        <p:spPr>
+          <a:xfrm>
+            <a:off x="6151418" y="2189018"/>
+            <a:ext cx="2687782" cy="830997"/>
+          </a:xfrm>
+          <a:prstGeom prst="rect">
+            <a:avLst/>
+          </a:prstGeom>
+          <a:noFill/>
+        </p:spPr>
+        <p:txBody>
+          <a:bodyPr wrap="square" rtlCol="0">
+            <a:spAutoFit/>
+          </a:bodyPr>
+          <a:lstStyle/>
+          <a:p>
+            <a:r>
+              <a:rPr lang="ko-KR" altLang="en-US" dirty="0"/>
+              <a:t>따로따로 또 </a:t>
+            </a:r>
+            <a:r>
+              <a:rPr lang="ko-KR" altLang="en-US" dirty="0" err="1"/>
+              <a:t>임폴트</a:t>
+            </a:r>
+            <a:r>
+              <a:rPr lang="ko-KR" altLang="en-US" dirty="0"/>
+              <a:t> 해야함</a:t>
+            </a:r>
+          </a:p>
+        </p:txBody>
+      </p:sp>
     </p:spTree>
     <p:extLst>
       <p:ext uri="{BB962C8B-B14F-4D97-AF65-F5344CB8AC3E}">
